--- a/ASP .NET ‘te Güvenlik.pptx
+++ b/ASP .NET ‘te Güvenlik.pptx
@@ -1787,7 +1787,7 @@
         </p:nvSpPr>
         <p:spPr>
           <a:xfrm>
-            <a:off x="381300" y="685800"/>
+            <a:off x="381000" y="685800"/>
             <a:ext cx="6096000" cy="3429000"/>
           </a:xfrm>
           <a:custGeom>
@@ -1995,7 +1995,7 @@
         </p:nvSpPr>
         <p:spPr>
           <a:xfrm>
-            <a:off x="381300" y="685800"/>
+            <a:off x="381000" y="685800"/>
             <a:ext cx="6096000" cy="3429000"/>
           </a:xfrm>
           <a:custGeom>
@@ -8550,6 +8550,13 @@
   <p:clrMapOvr>
     <a:masterClrMapping/>
   </p:clrMapOvr>
+  <p:timing>
+    <p:tnLst>
+      <p:par>
+        <p:cTn id="1" dur="indefinite" restart="never" nodeType="tmRoot"/>
+      </p:par>
+    </p:tnLst>
+  </p:timing>
 </p:sld>
 </file>
 
@@ -8868,6 +8875,13 @@
   <p:clrMapOvr>
     <a:masterClrMapping/>
   </p:clrMapOvr>
+  <p:timing>
+    <p:tnLst>
+      <p:par>
+        <p:cTn id="1" dur="indefinite" restart="never" nodeType="tmRoot"/>
+      </p:par>
+    </p:tnLst>
+  </p:timing>
 </p:sld>
 </file>
 
@@ -9124,6 +9138,13 @@
   <p:clrMapOvr>
     <a:masterClrMapping/>
   </p:clrMapOvr>
+  <p:timing>
+    <p:tnLst>
+      <p:par>
+        <p:cTn id="1" dur="indefinite" restart="never" nodeType="tmRoot"/>
+      </p:par>
+    </p:tnLst>
+  </p:timing>
 </p:sld>
 </file>
 
@@ -9468,6 +9489,13 @@
   <p:clrMapOvr>
     <a:masterClrMapping/>
   </p:clrMapOvr>
+  <p:timing>
+    <p:tnLst>
+      <p:par>
+        <p:cTn id="1" dur="indefinite" restart="never" nodeType="tmRoot"/>
+      </p:par>
+    </p:tnLst>
+  </p:timing>
 </p:sld>
 </file>
 
@@ -9846,6 +9874,13 @@
   <p:clrMapOvr>
     <a:masterClrMapping/>
   </p:clrMapOvr>
+  <p:timing>
+    <p:tnLst>
+      <p:par>
+        <p:cTn id="1" dur="indefinite" restart="never" nodeType="tmRoot"/>
+      </p:par>
+    </p:tnLst>
+  </p:timing>
 </p:sld>
 </file>
 
@@ -10135,6 +10170,13 @@
   <p:clrMapOvr>
     <a:masterClrMapping/>
   </p:clrMapOvr>
+  <p:timing>
+    <p:tnLst>
+      <p:par>
+        <p:cTn id="1" dur="indefinite" restart="never" nodeType="tmRoot"/>
+      </p:par>
+    </p:tnLst>
+  </p:timing>
 </p:sld>
 </file>
 
@@ -10628,6 +10670,13 @@
   <p:clrMapOvr>
     <a:masterClrMapping/>
   </p:clrMapOvr>
+  <p:timing>
+    <p:tnLst>
+      <p:par>
+        <p:cTn id="1" dur="indefinite" restart="never" nodeType="tmRoot"/>
+      </p:par>
+    </p:tnLst>
+  </p:timing>
 </p:sld>
 </file>
 
@@ -10946,6 +10995,13 @@
   <p:clrMapOvr>
     <a:masterClrMapping/>
   </p:clrMapOvr>
+  <p:timing>
+    <p:tnLst>
+      <p:par>
+        <p:cTn id="1" dur="indefinite" restart="never" nodeType="tmRoot"/>
+      </p:par>
+    </p:tnLst>
+  </p:timing>
 </p:sld>
 </file>
 
@@ -11048,7 +11104,7 @@
               <a:buNone/>
             </a:pPr>
             <a:r>
-              <a:rPr lang="en" sz="1400">
+              <a:rPr lang="en" sz="1400" dirty="0">
                 <a:solidFill>
                   <a:schemeClr val="dk1"/>
                 </a:solidFill>
@@ -11057,9 +11113,57 @@
                 <a:cs typeface="Verdana"/>
                 <a:sym typeface="Verdana"/>
               </a:rPr>
-              <a:t>Örnek : Bu uygulamada farklı rollere sahip kullanıcılar için uygulamanın farklı davranış göstermesi</a:t>
-            </a:r>
-            <a:endParaRPr sz="1400">
+              <a:t>Örnek : Bu uygulamada farklı rollere sahip kullanıcılar için uygulamanın farklı davranış </a:t>
+            </a:r>
+            <a:r>
+              <a:rPr lang="en" sz="1400" dirty="0" smtClean="0">
+                <a:solidFill>
+                  <a:schemeClr val="dk1"/>
+                </a:solidFill>
+                <a:latin typeface="Verdana"/>
+                <a:ea typeface="Verdana"/>
+                <a:cs typeface="Verdana"/>
+                <a:sym typeface="Verdana"/>
+              </a:rPr>
+              <a:t>göstermesi</a:t>
+            </a:r>
+            <a:r>
+              <a:rPr lang="en" sz="1400" dirty="0">
+                <a:solidFill>
+                  <a:schemeClr val="dk1"/>
+                </a:solidFill>
+                <a:latin typeface="Verdana"/>
+                <a:ea typeface="Verdana"/>
+                <a:cs typeface="Verdana"/>
+                <a:sym typeface="Verdana"/>
+              </a:rPr>
+              <a:t> </a:t>
+            </a:r>
+            <a:r>
+              <a:rPr lang="en" sz="1400" dirty="0" smtClean="0">
+                <a:solidFill>
+                  <a:schemeClr val="dk1"/>
+                </a:solidFill>
+                <a:latin typeface="Verdana"/>
+                <a:ea typeface="Verdana"/>
+                <a:cs typeface="Verdana"/>
+                <a:sym typeface="Verdana"/>
+              </a:rPr>
+              <a:t>amaçlanmaktadır</a:t>
+            </a:r>
+            <a:r>
+              <a:rPr lang="en" sz="1400" dirty="0">
+                <a:solidFill>
+                  <a:schemeClr val="dk1"/>
+                </a:solidFill>
+                <a:latin typeface="Verdana"/>
+                <a:ea typeface="Verdana"/>
+                <a:cs typeface="Verdana"/>
+                <a:sym typeface="Verdana"/>
+              </a:rPr>
+              <a:t>. Rol bilgileri Guvenlik.mdb/Uyeler tablosundaki Rol isimli alandan alınmaktadır.</a:t>
+            </a:r>
+            <a:endParaRPr sz="1400" dirty="0">
               <a:solidFill>
                 <a:schemeClr val="dk1"/>
               </a:solidFill>
@@ -11085,7 +11189,7 @@
               <a:buNone/>
             </a:pPr>
             <a:r>
-              <a:rPr lang="en" sz="1400">
+              <a:rPr lang="en" sz="1400" dirty="0">
                 <a:solidFill>
                   <a:schemeClr val="dk1"/>
                 </a:solidFill>
@@ -11094,9 +11198,153 @@
                 <a:cs typeface="Verdana"/>
                 <a:sym typeface="Verdana"/>
               </a:rPr>
-              <a:t>amaçlanmaktadır. Rol bilgileri Guvenlik.mdb/Uyeler tablosundaki Rol isimli alandan alınmaktadır.</a:t>
-            </a:r>
-            <a:endParaRPr sz="1400">
+              <a:t>Senaryo : Default.aspx ‘e giren kullanıcı “Makale Onayla” isminde bir link görecektir. Bu </a:t>
+            </a:r>
+            <a:r>
+              <a:rPr lang="en" sz="1400" dirty="0" smtClean="0">
+                <a:solidFill>
+                  <a:schemeClr val="dk1"/>
+                </a:solidFill>
+                <a:latin typeface="Verdana"/>
+                <a:ea typeface="Verdana"/>
+                <a:cs typeface="Verdana"/>
+                <a:sym typeface="Verdana"/>
+              </a:rPr>
+              <a:t>link’in</a:t>
+            </a:r>
+            <a:r>
+              <a:rPr lang="en" sz="1400" dirty="0">
+                <a:solidFill>
+                  <a:schemeClr val="dk1"/>
+                </a:solidFill>
+                <a:latin typeface="Verdana"/>
+                <a:ea typeface="Verdana"/>
+                <a:cs typeface="Verdana"/>
+                <a:sym typeface="Verdana"/>
+              </a:rPr>
+              <a:t> </a:t>
+            </a:r>
+            <a:r>
+              <a:rPr lang="en" sz="1400" dirty="0" smtClean="0">
+                <a:solidFill>
+                  <a:schemeClr val="dk1"/>
+                </a:solidFill>
+                <a:latin typeface="Verdana"/>
+                <a:ea typeface="Verdana"/>
+                <a:cs typeface="Verdana"/>
+                <a:sym typeface="Verdana"/>
+              </a:rPr>
+              <a:t>açacağı </a:t>
+            </a:r>
+            <a:r>
+              <a:rPr lang="en" sz="1400" dirty="0">
+                <a:solidFill>
+                  <a:schemeClr val="dk1"/>
+                </a:solidFill>
+                <a:latin typeface="Verdana"/>
+                <a:ea typeface="Verdana"/>
+                <a:cs typeface="Verdana"/>
+                <a:sym typeface="Verdana"/>
+              </a:rPr>
+              <a:t>sayfa “Onay.aspx” isimli secure bir sayfadır. Bu sayfada editör ve moderatörlerin </a:t>
+            </a:r>
+            <a:r>
+              <a:rPr lang="en" sz="1400" dirty="0" smtClean="0">
+                <a:solidFill>
+                  <a:schemeClr val="dk1"/>
+                </a:solidFill>
+                <a:latin typeface="Verdana"/>
+                <a:ea typeface="Verdana"/>
+                <a:cs typeface="Verdana"/>
+                <a:sym typeface="Verdana"/>
+              </a:rPr>
+              <a:t>makalelere</a:t>
+            </a:r>
+            <a:r>
+              <a:rPr lang="en" sz="1400" dirty="0">
+                <a:solidFill>
+                  <a:schemeClr val="dk1"/>
+                </a:solidFill>
+                <a:latin typeface="Verdana"/>
+                <a:ea typeface="Verdana"/>
+                <a:cs typeface="Verdana"/>
+                <a:sym typeface="Verdana"/>
+              </a:rPr>
+              <a:t> </a:t>
+            </a:r>
+            <a:r>
+              <a:rPr lang="en" sz="1400" dirty="0" smtClean="0">
+                <a:solidFill>
+                  <a:schemeClr val="dk1"/>
+                </a:solidFill>
+                <a:latin typeface="Verdana"/>
+                <a:ea typeface="Verdana"/>
+                <a:cs typeface="Verdana"/>
+                <a:sym typeface="Verdana"/>
+              </a:rPr>
+              <a:t>onay </a:t>
+            </a:r>
+            <a:r>
+              <a:rPr lang="en" sz="1400" dirty="0">
+                <a:solidFill>
+                  <a:schemeClr val="dk1"/>
+                </a:solidFill>
+                <a:latin typeface="Verdana"/>
+                <a:ea typeface="Verdana"/>
+                <a:cs typeface="Verdana"/>
+                <a:sym typeface="Verdana"/>
+              </a:rPr>
+              <a:t>verebilmesini sağlayan iki link vardır. Her iki link te visible özellikleri false </a:t>
+            </a:r>
+            <a:r>
+              <a:rPr lang="en" sz="1400" dirty="0" smtClean="0">
+                <a:solidFill>
+                  <a:schemeClr val="dk1"/>
+                </a:solidFill>
+                <a:latin typeface="Verdana"/>
+                <a:ea typeface="Verdana"/>
+                <a:cs typeface="Verdana"/>
+                <a:sym typeface="Verdana"/>
+              </a:rPr>
+              <a:t>yapılarak</a:t>
+            </a:r>
+            <a:r>
+              <a:rPr lang="en" sz="1400" dirty="0">
+                <a:solidFill>
+                  <a:schemeClr val="dk1"/>
+                </a:solidFill>
+                <a:latin typeface="Verdana"/>
+                <a:ea typeface="Verdana"/>
+                <a:cs typeface="Verdana"/>
+                <a:sym typeface="Verdana"/>
+              </a:rPr>
+              <a:t> </a:t>
+            </a:r>
+            <a:r>
+              <a:rPr lang="en" sz="1400" dirty="0" smtClean="0">
+                <a:solidFill>
+                  <a:schemeClr val="dk1"/>
+                </a:solidFill>
+                <a:latin typeface="Verdana"/>
+                <a:ea typeface="Verdana"/>
+                <a:cs typeface="Verdana"/>
+                <a:sym typeface="Verdana"/>
+              </a:rPr>
+              <a:t>başlangıçta </a:t>
+            </a:r>
+            <a:r>
+              <a:rPr lang="en" sz="1400" dirty="0">
+                <a:solidFill>
+                  <a:schemeClr val="dk1"/>
+                </a:solidFill>
+                <a:latin typeface="Verdana"/>
+                <a:ea typeface="Verdana"/>
+                <a:cs typeface="Verdana"/>
+                <a:sym typeface="Verdana"/>
+              </a:rPr>
+              <a:t>gösterilmemektedir.</a:t>
+            </a:r>
+            <a:endParaRPr sz="1400" dirty="0">
               <a:solidFill>
                 <a:schemeClr val="dk1"/>
               </a:solidFill>
@@ -11122,7 +11370,7 @@
               <a:buNone/>
             </a:pPr>
             <a:r>
-              <a:rPr lang="en" sz="1400">
+              <a:rPr lang="en" sz="1400" dirty="0">
                 <a:solidFill>
                   <a:schemeClr val="dk1"/>
                 </a:solidFill>
@@ -11131,9 +11379,9 @@
                 <a:cs typeface="Verdana"/>
                 <a:sym typeface="Verdana"/>
               </a:rPr>
-              <a:t>Senaryo : Default.aspx ‘e giren kullanıcı “Makale Onayla” isminde bir link görecektir. Bu link’in</a:t>
-            </a:r>
-            <a:endParaRPr sz="1400">
+              <a:t>Amaç; editor rolüne sahip bir kullanıcının bu sayfayı talep ettiğinde editör onayı ver linkini</a:t>
+            </a:r>
+            <a:endParaRPr sz="1400" dirty="0">
               <a:solidFill>
                 <a:schemeClr val="dk1"/>
               </a:solidFill>
@@ -11159,7 +11407,7 @@
               <a:buNone/>
             </a:pPr>
             <a:r>
-              <a:rPr lang="en" sz="1400">
+              <a:rPr lang="en" sz="1400" dirty="0">
                 <a:solidFill>
                   <a:schemeClr val="dk1"/>
                 </a:solidFill>
@@ -11168,9 +11416,105 @@
                 <a:cs typeface="Verdana"/>
                 <a:sym typeface="Verdana"/>
               </a:rPr>
-              <a:t>açacağı sayfa “Onay.aspx” isimli secure bir sayfadır. Bu sayfada editör ve moderatörlerin makalelere</a:t>
-            </a:r>
-            <a:endParaRPr sz="1400">
+              <a:t>göstermek, moderator rolüne sahip bir kullanıcının bu sayfayı talep ettiğinde ise moderatör onayı verlinkini </a:t>
+            </a:r>
+            <a:r>
+              <a:rPr lang="en" sz="1400" dirty="0" smtClean="0">
+                <a:solidFill>
+                  <a:schemeClr val="dk1"/>
+                </a:solidFill>
+                <a:latin typeface="Verdana"/>
+                <a:ea typeface="Verdana"/>
+                <a:cs typeface="Verdana"/>
+                <a:sym typeface="Verdana"/>
+              </a:rPr>
+              <a:t>göstermektir.</a:t>
+            </a:r>
+            <a:r>
+              <a:rPr lang="en" sz="1400" dirty="0">
+                <a:solidFill>
+                  <a:schemeClr val="dk1"/>
+                </a:solidFill>
+                <a:latin typeface="Verdana"/>
+                <a:ea typeface="Verdana"/>
+                <a:cs typeface="Verdana"/>
+                <a:sym typeface="Verdana"/>
+              </a:rPr>
+              <a:t> </a:t>
+            </a:r>
+            <a:r>
+              <a:rPr lang="en" sz="1400" dirty="0" smtClean="0">
+                <a:solidFill>
+                  <a:schemeClr val="dk1"/>
+                </a:solidFill>
+                <a:latin typeface="Verdana"/>
+                <a:ea typeface="Verdana"/>
+                <a:cs typeface="Verdana"/>
+                <a:sym typeface="Verdana"/>
+              </a:rPr>
+              <a:t>Onay.aspx </a:t>
+            </a:r>
+            <a:r>
+              <a:rPr lang="en" sz="1400" dirty="0">
+                <a:solidFill>
+                  <a:schemeClr val="dk1"/>
+                </a:solidFill>
+                <a:latin typeface="Verdana"/>
+                <a:ea typeface="Verdana"/>
+                <a:cs typeface="Verdana"/>
+                <a:sym typeface="Verdana"/>
+              </a:rPr>
+              <a:t>‘te ise; Request.IsAuthenticate ile; kullanıcının kimliği belirlenmiş bir kullanıcı </a:t>
+            </a:r>
+            <a:r>
+              <a:rPr lang="en" sz="1400" dirty="0" smtClean="0">
+                <a:solidFill>
+                  <a:schemeClr val="dk1"/>
+                </a:solidFill>
+                <a:latin typeface="Verdana"/>
+                <a:ea typeface="Verdana"/>
+                <a:cs typeface="Verdana"/>
+                <a:sym typeface="Verdana"/>
+              </a:rPr>
+              <a:t>olup</a:t>
+            </a:r>
+            <a:r>
+              <a:rPr lang="en" sz="1400" dirty="0">
+                <a:solidFill>
+                  <a:schemeClr val="dk1"/>
+                </a:solidFill>
+                <a:latin typeface="Verdana"/>
+                <a:ea typeface="Verdana"/>
+                <a:cs typeface="Verdana"/>
+                <a:sym typeface="Verdana"/>
+              </a:rPr>
+              <a:t> </a:t>
+            </a:r>
+            <a:r>
+              <a:rPr lang="en" sz="1400" dirty="0" smtClean="0">
+                <a:solidFill>
+                  <a:schemeClr val="dk1"/>
+                </a:solidFill>
+                <a:latin typeface="Verdana"/>
+                <a:ea typeface="Verdana"/>
+                <a:cs typeface="Verdana"/>
+                <a:sym typeface="Verdana"/>
+              </a:rPr>
+              <a:t>olmadığına </a:t>
+            </a:r>
+            <a:r>
+              <a:rPr lang="en" sz="1400" dirty="0">
+                <a:solidFill>
+                  <a:schemeClr val="dk1"/>
+                </a:solidFill>
+                <a:latin typeface="Verdana"/>
+                <a:ea typeface="Verdana"/>
+                <a:cs typeface="Verdana"/>
+                <a:sym typeface="Verdana"/>
+              </a:rPr>
+              <a:t>bakılır.</a:t>
+            </a:r>
+            <a:endParaRPr sz="1400" dirty="0">
               <a:solidFill>
                 <a:schemeClr val="dk1"/>
               </a:solidFill>
@@ -11196,7 +11540,7 @@
               <a:buNone/>
             </a:pPr>
             <a:r>
-              <a:rPr lang="en" sz="1400">
+              <a:rPr lang="en" sz="1400" dirty="0">
                 <a:solidFill>
                   <a:schemeClr val="dk1"/>
                 </a:solidFill>
@@ -11205,9 +11549,9 @@
                 <a:cs typeface="Verdana"/>
                 <a:sym typeface="Verdana"/>
               </a:rPr>
-              <a:t>onay verebilmesini sağlayan iki link vardır. Her iki link te visible özellikleri false yapılarak</a:t>
-            </a:r>
-            <a:endParaRPr sz="1400">
+              <a:t>Eğer kullanıcı kimliği belirlenmiş bir kullanıcı ise, Login.aspx ‘te Session’a atılan primary key</a:t>
+            </a:r>
+            <a:endParaRPr sz="1400" dirty="0">
               <a:solidFill>
                 <a:schemeClr val="dk1"/>
               </a:solidFill>
@@ -11233,7 +11577,7 @@
               <a:buNone/>
             </a:pPr>
             <a:r>
-              <a:rPr lang="en" sz="1400">
+              <a:rPr lang="en" sz="1400" dirty="0">
                 <a:solidFill>
                   <a:schemeClr val="dk1"/>
                 </a:solidFill>
@@ -11242,9 +11586,57 @@
                 <a:cs typeface="Verdana"/>
                 <a:sym typeface="Verdana"/>
               </a:rPr>
-              <a:t>başlangıçta gösterilmemektedir.</a:t>
-            </a:r>
-            <a:endParaRPr sz="1400">
+              <a:t>bilgisi ile söz konusu kullanıcıya ilişkin rol bilgisi sorgulanır. Veri tabanından alınan rol </a:t>
+            </a:r>
+            <a:r>
+              <a:rPr lang="en" sz="1400" dirty="0" smtClean="0">
+                <a:solidFill>
+                  <a:schemeClr val="dk1"/>
+                </a:solidFill>
+                <a:latin typeface="Verdana"/>
+                <a:ea typeface="Verdana"/>
+                <a:cs typeface="Verdana"/>
+                <a:sym typeface="Verdana"/>
+              </a:rPr>
+              <a:t>bilgisine</a:t>
+            </a:r>
+            <a:r>
+              <a:rPr lang="en" sz="1400" dirty="0">
+                <a:solidFill>
+                  <a:schemeClr val="dk1"/>
+                </a:solidFill>
+                <a:latin typeface="Verdana"/>
+                <a:ea typeface="Verdana"/>
+                <a:cs typeface="Verdana"/>
+                <a:sym typeface="Verdana"/>
+              </a:rPr>
+              <a:t> </a:t>
+            </a:r>
+            <a:r>
+              <a:rPr lang="en" sz="1400" dirty="0" smtClean="0">
+                <a:solidFill>
+                  <a:schemeClr val="dk1"/>
+                </a:solidFill>
+                <a:latin typeface="Verdana"/>
+                <a:ea typeface="Verdana"/>
+                <a:cs typeface="Verdana"/>
+                <a:sym typeface="Verdana"/>
+              </a:rPr>
+              <a:t>göre </a:t>
+            </a:r>
+            <a:r>
+              <a:rPr lang="en" sz="1400" dirty="0">
+                <a:solidFill>
+                  <a:schemeClr val="dk1"/>
+                </a:solidFill>
+                <a:latin typeface="Verdana"/>
+                <a:ea typeface="Verdana"/>
+                <a:cs typeface="Verdana"/>
+                <a:sym typeface="Verdana"/>
+              </a:rPr>
+              <a:t>hangi link’in gösterileceğine karar verilir.</a:t>
+            </a:r>
+            <a:endParaRPr sz="1400" dirty="0">
               <a:solidFill>
                 <a:schemeClr val="dk1"/>
               </a:solidFill>
@@ -11269,19 +11661,7 @@
               <a:buFont typeface="Arial"/>
               <a:buNone/>
             </a:pPr>
-            <a:r>
-              <a:rPr lang="en" sz="1400">
-                <a:solidFill>
-                  <a:schemeClr val="dk1"/>
-                </a:solidFill>
-                <a:latin typeface="Verdana"/>
-                <a:ea typeface="Verdana"/>
-                <a:cs typeface="Verdana"/>
-                <a:sym typeface="Verdana"/>
-              </a:rPr>
-              <a:t>Amaç; editor rolüne sahip bir kullanıcının bu sayfayı talep ettiğinde editör onayı ver linkini</a:t>
-            </a:r>
-            <a:endParaRPr sz="1400">
+            <a:endParaRPr sz="1400" dirty="0">
               <a:solidFill>
                 <a:schemeClr val="dk1"/>
               </a:solidFill>
@@ -11306,19 +11686,7 @@
               <a:buFont typeface="Arial"/>
               <a:buNone/>
             </a:pPr>
-            <a:r>
-              <a:rPr lang="en" sz="1400">
-                <a:solidFill>
-                  <a:schemeClr val="dk1"/>
-                </a:solidFill>
-                <a:latin typeface="Verdana"/>
-                <a:ea typeface="Verdana"/>
-                <a:cs typeface="Verdana"/>
-                <a:sym typeface="Verdana"/>
-              </a:rPr>
-              <a:t>göstermek, moderator rolüne sahip bir kullanıcının bu sayfayı talep ettiğinde ise moderatör onayı verlinkini göstermektir.</a:t>
-            </a:r>
-            <a:endParaRPr sz="1400">
+            <a:endParaRPr sz="1400" b="1" dirty="0">
               <a:solidFill>
                 <a:schemeClr val="dk1"/>
               </a:solidFill>
@@ -11343,242 +11711,7 @@
               <a:buFont typeface="Arial"/>
               <a:buNone/>
             </a:pPr>
-            <a:r>
-              <a:rPr lang="en" sz="1400">
-                <a:solidFill>
-                  <a:schemeClr val="dk1"/>
-                </a:solidFill>
-                <a:latin typeface="Verdana"/>
-                <a:ea typeface="Verdana"/>
-                <a:cs typeface="Verdana"/>
-                <a:sym typeface="Verdana"/>
-              </a:rPr>
-              <a:t>Onay.aspx ‘te ise; Request.IsAuthenticate ile; kullanıcının kimliği belirlenmiş bir kullanıcı olup</a:t>
-            </a:r>
-            <a:endParaRPr sz="1400">
-              <a:solidFill>
-                <a:schemeClr val="dk1"/>
-              </a:solidFill>
-              <a:latin typeface="Verdana"/>
-              <a:ea typeface="Verdana"/>
-              <a:cs typeface="Verdana"/>
-              <a:sym typeface="Verdana"/>
-            </a:endParaRPr>
-          </a:p>
-          <a:p>
-            <a:pPr marL="0" lvl="0" indent="0" algn="l" rtl="0">
-              <a:spcBef>
-                <a:spcPts val="0"/>
-              </a:spcBef>
-              <a:spcAft>
-                <a:spcPts val="0"/>
-              </a:spcAft>
-              <a:buClr>
-                <a:schemeClr val="dk1"/>
-              </a:buClr>
-              <a:buSzPts val="1100"/>
-              <a:buFont typeface="Arial"/>
-              <a:buNone/>
-            </a:pPr>
-            <a:r>
-              <a:rPr lang="en" sz="1400">
-                <a:solidFill>
-                  <a:schemeClr val="dk1"/>
-                </a:solidFill>
-                <a:latin typeface="Verdana"/>
-                <a:ea typeface="Verdana"/>
-                <a:cs typeface="Verdana"/>
-                <a:sym typeface="Verdana"/>
-              </a:rPr>
-              <a:t>olmadığına bakılır.</a:t>
-            </a:r>
-            <a:endParaRPr sz="1400">
-              <a:solidFill>
-                <a:schemeClr val="dk1"/>
-              </a:solidFill>
-              <a:latin typeface="Verdana"/>
-              <a:ea typeface="Verdana"/>
-              <a:cs typeface="Verdana"/>
-              <a:sym typeface="Verdana"/>
-            </a:endParaRPr>
-          </a:p>
-          <a:p>
-            <a:pPr marL="0" lvl="0" indent="0" algn="l" rtl="0">
-              <a:spcBef>
-                <a:spcPts val="0"/>
-              </a:spcBef>
-              <a:spcAft>
-                <a:spcPts val="0"/>
-              </a:spcAft>
-              <a:buClr>
-                <a:schemeClr val="dk1"/>
-              </a:buClr>
-              <a:buSzPts val="1100"/>
-              <a:buFont typeface="Arial"/>
-              <a:buNone/>
-            </a:pPr>
-            <a:r>
-              <a:rPr lang="en" sz="1400">
-                <a:solidFill>
-                  <a:schemeClr val="dk1"/>
-                </a:solidFill>
-                <a:latin typeface="Verdana"/>
-                <a:ea typeface="Verdana"/>
-                <a:cs typeface="Verdana"/>
-                <a:sym typeface="Verdana"/>
-              </a:rPr>
-              <a:t>Eğer kullanıcı kimliği belirlenmiş bir kullanıcı ise, Login.aspx ‘te Session’a atılan primary key</a:t>
-            </a:r>
-            <a:endParaRPr sz="1400">
-              <a:solidFill>
-                <a:schemeClr val="dk1"/>
-              </a:solidFill>
-              <a:latin typeface="Verdana"/>
-              <a:ea typeface="Verdana"/>
-              <a:cs typeface="Verdana"/>
-              <a:sym typeface="Verdana"/>
-            </a:endParaRPr>
-          </a:p>
-          <a:p>
-            <a:pPr marL="0" lvl="0" indent="0" algn="l" rtl="0">
-              <a:spcBef>
-                <a:spcPts val="0"/>
-              </a:spcBef>
-              <a:spcAft>
-                <a:spcPts val="0"/>
-              </a:spcAft>
-              <a:buClr>
-                <a:schemeClr val="dk1"/>
-              </a:buClr>
-              <a:buSzPts val="1100"/>
-              <a:buFont typeface="Arial"/>
-              <a:buNone/>
-            </a:pPr>
-            <a:r>
-              <a:rPr lang="en" sz="1400">
-                <a:solidFill>
-                  <a:schemeClr val="dk1"/>
-                </a:solidFill>
-                <a:latin typeface="Verdana"/>
-                <a:ea typeface="Verdana"/>
-                <a:cs typeface="Verdana"/>
-                <a:sym typeface="Verdana"/>
-              </a:rPr>
-              <a:t>bilgisi ile söz konusu kullanıcıya ilişkin rol bilgisi sorgulanır. Veri tabanından alınan rol bilgisine</a:t>
-            </a:r>
-            <a:endParaRPr sz="1400">
-              <a:solidFill>
-                <a:schemeClr val="dk1"/>
-              </a:solidFill>
-              <a:latin typeface="Verdana"/>
-              <a:ea typeface="Verdana"/>
-              <a:cs typeface="Verdana"/>
-              <a:sym typeface="Verdana"/>
-            </a:endParaRPr>
-          </a:p>
-          <a:p>
-            <a:pPr marL="0" lvl="0" indent="0" algn="l" rtl="0">
-              <a:spcBef>
-                <a:spcPts val="0"/>
-              </a:spcBef>
-              <a:spcAft>
-                <a:spcPts val="0"/>
-              </a:spcAft>
-              <a:buClr>
-                <a:schemeClr val="dk1"/>
-              </a:buClr>
-              <a:buSzPts val="1100"/>
-              <a:buFont typeface="Arial"/>
-              <a:buNone/>
-            </a:pPr>
-            <a:r>
-              <a:rPr lang="en" sz="1400">
-                <a:solidFill>
-                  <a:schemeClr val="dk1"/>
-                </a:solidFill>
-                <a:latin typeface="Verdana"/>
-                <a:ea typeface="Verdana"/>
-                <a:cs typeface="Verdana"/>
-                <a:sym typeface="Verdana"/>
-              </a:rPr>
-              <a:t>göre hangi link’in gösterileceğine karar verilir.</a:t>
-            </a:r>
-            <a:endParaRPr sz="1400">
-              <a:solidFill>
-                <a:schemeClr val="dk1"/>
-              </a:solidFill>
-              <a:latin typeface="Verdana"/>
-              <a:ea typeface="Verdana"/>
-              <a:cs typeface="Verdana"/>
-              <a:sym typeface="Verdana"/>
-            </a:endParaRPr>
-          </a:p>
-          <a:p>
-            <a:pPr marL="0" lvl="0" indent="0" algn="l" rtl="0">
-              <a:spcBef>
-                <a:spcPts val="0"/>
-              </a:spcBef>
-              <a:spcAft>
-                <a:spcPts val="0"/>
-              </a:spcAft>
-              <a:buClr>
-                <a:schemeClr val="dk1"/>
-              </a:buClr>
-              <a:buSzPts val="1100"/>
-              <a:buFont typeface="Arial"/>
-              <a:buNone/>
-            </a:pPr>
-            <a:endParaRPr sz="1400">
-              <a:solidFill>
-                <a:schemeClr val="dk1"/>
-              </a:solidFill>
-              <a:latin typeface="Verdana"/>
-              <a:ea typeface="Verdana"/>
-              <a:cs typeface="Verdana"/>
-              <a:sym typeface="Verdana"/>
-            </a:endParaRPr>
-          </a:p>
-          <a:p>
-            <a:pPr marL="0" lvl="0" indent="0" algn="l" rtl="0">
-              <a:spcBef>
-                <a:spcPts val="0"/>
-              </a:spcBef>
-              <a:spcAft>
-                <a:spcPts val="0"/>
-              </a:spcAft>
-              <a:buClr>
-                <a:schemeClr val="dk1"/>
-              </a:buClr>
-              <a:buSzPts val="1100"/>
-              <a:buFont typeface="Arial"/>
-              <a:buNone/>
-            </a:pPr>
-            <a:endParaRPr sz="1400" b="1">
-              <a:solidFill>
-                <a:schemeClr val="dk1"/>
-              </a:solidFill>
-              <a:latin typeface="Verdana"/>
-              <a:ea typeface="Verdana"/>
-              <a:cs typeface="Verdana"/>
-              <a:sym typeface="Verdana"/>
-            </a:endParaRPr>
-          </a:p>
-          <a:p>
-            <a:pPr marL="0" lvl="0" indent="0" algn="l" rtl="0">
-              <a:spcBef>
-                <a:spcPts val="0"/>
-              </a:spcBef>
-              <a:spcAft>
-                <a:spcPts val="0"/>
-              </a:spcAft>
-              <a:buClr>
-                <a:schemeClr val="dk1"/>
-              </a:buClr>
-              <a:buSzPts val="1100"/>
-              <a:buFont typeface="Arial"/>
-              <a:buNone/>
-            </a:pPr>
-            <a:endParaRPr sz="1100">
+            <a:endParaRPr sz="1100" dirty="0">
               <a:solidFill>
                 <a:schemeClr val="dk1"/>
               </a:solidFill>
@@ -11594,7 +11727,7 @@
               </a:spcAft>
               <a:buNone/>
             </a:pPr>
-            <a:endParaRPr/>
+            <a:endParaRPr dirty="0"/>
           </a:p>
         </p:txBody>
       </p:sp>
@@ -11603,6 +11736,13 @@
   <p:clrMapOvr>
     <a:masterClrMapping/>
   </p:clrMapOvr>
+  <p:timing>
+    <p:tnLst>
+      <p:par>
+        <p:cTn id="1" dur="indefinite" restart="never" nodeType="tmRoot"/>
+      </p:par>
+    </p:tnLst>
+  </p:timing>
 </p:sld>
 </file>
 
@@ -12047,7 +12187,7 @@
               <a:buNone/>
             </a:pPr>
             <a:r>
-              <a:rPr lang="en" sz="1400">
+              <a:rPr lang="en" sz="1400" dirty="0">
                 <a:solidFill>
                   <a:schemeClr val="dk1"/>
                 </a:solidFill>
@@ -12058,7 +12198,7 @@
               </a:rPr>
               <a:t>ASP .NET rol tabanlı güvenlik modelinin uygulanabildiği bir teknolojidir. Rol tabanlı güvenlik</a:t>
             </a:r>
-            <a:endParaRPr sz="1400">
+            <a:endParaRPr sz="1400" dirty="0">
               <a:solidFill>
                 <a:schemeClr val="dk1"/>
               </a:solidFill>
@@ -12084,7 +12224,7 @@
               <a:buNone/>
             </a:pPr>
             <a:r>
-              <a:rPr lang="en" sz="1400">
+              <a:rPr lang="en" sz="1400" dirty="0">
                 <a:solidFill>
                   <a:schemeClr val="dk1"/>
                 </a:solidFill>
@@ -12093,9 +12233,57 @@
                 <a:cs typeface="Verdana"/>
                 <a:sym typeface="Verdana"/>
               </a:rPr>
-              <a:t>modelinde, kullanıcıların hangi rolle ilişkili olduğu kontrol edilerek, uygulamanın farklı kullanıcılar</a:t>
-            </a:r>
-            <a:endParaRPr sz="1400">
+              <a:t>modelinde, kullanıcıların hangi rolle ilişkili olduğu kontrol edilerek, uygulamanın farklı </a:t>
+            </a:r>
+            <a:r>
+              <a:rPr lang="en" sz="1400" dirty="0" smtClean="0">
+                <a:solidFill>
+                  <a:schemeClr val="dk1"/>
+                </a:solidFill>
+                <a:latin typeface="Verdana"/>
+                <a:ea typeface="Verdana"/>
+                <a:cs typeface="Verdana"/>
+                <a:sym typeface="Verdana"/>
+              </a:rPr>
+              <a:t>kullanıcılar</a:t>
+            </a:r>
+            <a:r>
+              <a:rPr lang="en" sz="1400" dirty="0">
+                <a:solidFill>
+                  <a:schemeClr val="dk1"/>
+                </a:solidFill>
+                <a:latin typeface="Verdana"/>
+                <a:ea typeface="Verdana"/>
+                <a:cs typeface="Verdana"/>
+                <a:sym typeface="Verdana"/>
+              </a:rPr>
+              <a:t> </a:t>
+            </a:r>
+            <a:r>
+              <a:rPr lang="en" sz="1400" dirty="0" smtClean="0">
+                <a:solidFill>
+                  <a:schemeClr val="dk1"/>
+                </a:solidFill>
+                <a:latin typeface="Verdana"/>
+                <a:ea typeface="Verdana"/>
+                <a:cs typeface="Verdana"/>
+                <a:sym typeface="Verdana"/>
+              </a:rPr>
+              <a:t>için </a:t>
+            </a:r>
+            <a:r>
+              <a:rPr lang="en" sz="1400" dirty="0">
+                <a:solidFill>
+                  <a:schemeClr val="dk1"/>
+                </a:solidFill>
+                <a:latin typeface="Verdana"/>
+                <a:ea typeface="Verdana"/>
+                <a:cs typeface="Verdana"/>
+                <a:sym typeface="Verdana"/>
+              </a:rPr>
+              <a:t>farklı davranışlar göstermesi sağlanabilir.</a:t>
+            </a:r>
+            <a:endParaRPr sz="1400" dirty="0">
               <a:solidFill>
                 <a:schemeClr val="dk1"/>
               </a:solidFill>
@@ -12121,7 +12309,7 @@
               <a:buNone/>
             </a:pPr>
             <a:r>
-              <a:rPr lang="en" sz="1400">
+              <a:rPr lang="en" sz="1400" dirty="0">
                 <a:solidFill>
                   <a:schemeClr val="dk1"/>
                 </a:solidFill>
@@ -12130,9 +12318,153 @@
                 <a:cs typeface="Verdana"/>
                 <a:sym typeface="Verdana"/>
               </a:rPr>
-              <a:t>için farklı davranışlar göstermesi sağlanabilir.</a:t>
-            </a:r>
-            <a:endParaRPr sz="1400">
+              <a:t>Bu anlamda Impersonation; uygulamaya talepte bulunan kullanıcıların, farklı bir kullanıcı adını </a:t>
+            </a:r>
+            <a:r>
+              <a:rPr lang="en" sz="1400" dirty="0" smtClean="0">
+                <a:solidFill>
+                  <a:schemeClr val="dk1"/>
+                </a:solidFill>
+                <a:latin typeface="Verdana"/>
+                <a:ea typeface="Verdana"/>
+                <a:cs typeface="Verdana"/>
+                <a:sym typeface="Verdana"/>
+              </a:rPr>
+              <a:t>ve</a:t>
+            </a:r>
+            <a:r>
+              <a:rPr lang="en" sz="1400" dirty="0">
+                <a:solidFill>
+                  <a:schemeClr val="dk1"/>
+                </a:solidFill>
+                <a:latin typeface="Verdana"/>
+                <a:ea typeface="Verdana"/>
+                <a:cs typeface="Verdana"/>
+                <a:sym typeface="Verdana"/>
+              </a:rPr>
+              <a:t> </a:t>
+            </a:r>
+            <a:r>
+              <a:rPr lang="en" sz="1400" dirty="0" smtClean="0">
+                <a:solidFill>
+                  <a:schemeClr val="dk1"/>
+                </a:solidFill>
+                <a:latin typeface="Verdana"/>
+                <a:ea typeface="Verdana"/>
+                <a:cs typeface="Verdana"/>
+                <a:sym typeface="Verdana"/>
+              </a:rPr>
+              <a:t>dolayısı </a:t>
+            </a:r>
+            <a:r>
+              <a:rPr lang="en" sz="1400" dirty="0">
+                <a:solidFill>
+                  <a:schemeClr val="dk1"/>
+                </a:solidFill>
+                <a:latin typeface="Verdana"/>
+                <a:ea typeface="Verdana"/>
+                <a:cs typeface="Verdana"/>
+                <a:sym typeface="Verdana"/>
+              </a:rPr>
+              <a:t>ile o kullanıcının yetkilerini kullanarak, sistem kaynaklarına ya da dosyalara </a:t>
+            </a:r>
+            <a:r>
+              <a:rPr lang="en" sz="1400" dirty="0" smtClean="0">
+                <a:solidFill>
+                  <a:schemeClr val="dk1"/>
+                </a:solidFill>
+                <a:latin typeface="Verdana"/>
+                <a:ea typeface="Verdana"/>
+                <a:cs typeface="Verdana"/>
+                <a:sym typeface="Verdana"/>
+              </a:rPr>
+              <a:t>erişebilmesini</a:t>
+            </a:r>
+            <a:r>
+              <a:rPr lang="en" sz="1400" dirty="0">
+                <a:solidFill>
+                  <a:schemeClr val="dk1"/>
+                </a:solidFill>
+                <a:latin typeface="Verdana"/>
+                <a:ea typeface="Verdana"/>
+                <a:cs typeface="Verdana"/>
+                <a:sym typeface="Verdana"/>
+              </a:rPr>
+              <a:t> </a:t>
+            </a:r>
+            <a:r>
+              <a:rPr lang="en" sz="1400" dirty="0" smtClean="0">
+                <a:solidFill>
+                  <a:schemeClr val="dk1"/>
+                </a:solidFill>
+                <a:latin typeface="Verdana"/>
+                <a:ea typeface="Verdana"/>
+                <a:cs typeface="Verdana"/>
+                <a:sym typeface="Verdana"/>
+              </a:rPr>
+              <a:t>sağlar</a:t>
+            </a:r>
+            <a:r>
+              <a:rPr lang="en" sz="1400" dirty="0">
+                <a:solidFill>
+                  <a:schemeClr val="dk1"/>
+                </a:solidFill>
+                <a:latin typeface="Verdana"/>
+                <a:ea typeface="Verdana"/>
+                <a:cs typeface="Verdana"/>
+                <a:sym typeface="Verdana"/>
+              </a:rPr>
+              <a:t>. (Bu durum windows’taki runas komutunun çalışmasına benzetilebilir) </a:t>
+            </a:r>
+            <a:r>
+              <a:rPr lang="en" sz="1400" dirty="0" smtClean="0">
+                <a:solidFill>
+                  <a:schemeClr val="dk1"/>
+                </a:solidFill>
+                <a:latin typeface="Verdana"/>
+                <a:ea typeface="Verdana"/>
+                <a:cs typeface="Verdana"/>
+                <a:sym typeface="Verdana"/>
+              </a:rPr>
+              <a:t>Impersonation</a:t>
+            </a:r>
+            <a:r>
+              <a:rPr lang="en" sz="1400" dirty="0">
+                <a:solidFill>
+                  <a:schemeClr val="dk1"/>
+                </a:solidFill>
+                <a:latin typeface="Verdana"/>
+                <a:ea typeface="Verdana"/>
+                <a:cs typeface="Verdana"/>
+                <a:sym typeface="Verdana"/>
+              </a:rPr>
+              <a:t> </a:t>
+            </a:r>
+            <a:r>
+              <a:rPr lang="en" sz="1400" dirty="0" smtClean="0">
+                <a:solidFill>
+                  <a:schemeClr val="dk1"/>
+                </a:solidFill>
+                <a:latin typeface="Verdana"/>
+                <a:ea typeface="Verdana"/>
+                <a:cs typeface="Verdana"/>
+                <a:sym typeface="Verdana"/>
+              </a:rPr>
+              <a:t>seçeneğini </a:t>
+            </a:r>
+            <a:r>
+              <a:rPr lang="en" sz="1400" dirty="0">
+                <a:solidFill>
+                  <a:schemeClr val="dk1"/>
+                </a:solidFill>
+                <a:latin typeface="Verdana"/>
+                <a:ea typeface="Verdana"/>
+                <a:cs typeface="Verdana"/>
+                <a:sym typeface="Verdana"/>
+              </a:rPr>
+              <a:t>açık hale getirmek için, web.config dosyasında :</a:t>
+            </a:r>
+            <a:endParaRPr sz="1400" dirty="0">
               <a:solidFill>
                 <a:schemeClr val="dk1"/>
               </a:solidFill>
@@ -12158,7 +12490,7 @@
               <a:buNone/>
             </a:pPr>
             <a:r>
-              <a:rPr lang="en" sz="1400">
+              <a:rPr lang="en" sz="1400" dirty="0">
                 <a:solidFill>
                   <a:schemeClr val="dk1"/>
                 </a:solidFill>
@@ -12167,9 +12499,85 @@
                 <a:cs typeface="Verdana"/>
                 <a:sym typeface="Verdana"/>
               </a:rPr>
-              <a:t>Bu anlamda Impersonation; uygulamaya talepte bulunan kullanıcıların, farklı bir kullanıcı adını ve</a:t>
-            </a:r>
-            <a:endParaRPr sz="1400">
+              <a:t>Klasik ASP ‘de impersonation default olarak uygulanır, ancak asp.net ’te yukarıda anlatıldığı </a:t>
+            </a:r>
+            <a:r>
+              <a:rPr lang="en" sz="1400" dirty="0" smtClean="0">
+                <a:solidFill>
+                  <a:schemeClr val="dk1"/>
+                </a:solidFill>
+                <a:latin typeface="Verdana"/>
+                <a:ea typeface="Verdana"/>
+                <a:cs typeface="Verdana"/>
+                <a:sym typeface="Verdana"/>
+              </a:rPr>
+              <a:t>şekilde</a:t>
+            </a:r>
+            <a:r>
+              <a:rPr lang="en" sz="1400" dirty="0">
+                <a:solidFill>
+                  <a:schemeClr val="dk1"/>
+                </a:solidFill>
+                <a:latin typeface="Verdana"/>
+                <a:ea typeface="Verdana"/>
+                <a:cs typeface="Verdana"/>
+                <a:sym typeface="Verdana"/>
+              </a:rPr>
+              <a:t> </a:t>
+            </a:r>
+            <a:r>
+              <a:rPr lang="en" sz="1400" dirty="0" smtClean="0">
+                <a:solidFill>
+                  <a:schemeClr val="dk1"/>
+                </a:solidFill>
+                <a:latin typeface="Verdana"/>
+                <a:ea typeface="Verdana"/>
+                <a:cs typeface="Verdana"/>
+                <a:sym typeface="Verdana"/>
+              </a:rPr>
+              <a:t>açılana </a:t>
+            </a:r>
+            <a:r>
+              <a:rPr lang="en" sz="1400" dirty="0">
+                <a:solidFill>
+                  <a:schemeClr val="dk1"/>
+                </a:solidFill>
+                <a:latin typeface="Verdana"/>
+                <a:ea typeface="Verdana"/>
+                <a:cs typeface="Verdana"/>
+                <a:sym typeface="Verdana"/>
+              </a:rPr>
+              <a:t>kadar kapalıdır</a:t>
+            </a:r>
+            <a:r>
+              <a:rPr lang="en" sz="1400" dirty="0" smtClean="0">
+                <a:solidFill>
+                  <a:schemeClr val="dk1"/>
+                </a:solidFill>
+                <a:latin typeface="Verdana"/>
+                <a:ea typeface="Verdana"/>
+                <a:cs typeface="Verdana"/>
+                <a:sym typeface="Verdana"/>
+              </a:rPr>
+              <a:t>.</a:t>
+            </a:r>
+          </a:p>
+          <a:p>
+            <a:pPr marL="0" lvl="0" indent="0" algn="l" rtl="0">
+              <a:spcBef>
+                <a:spcPts val="0"/>
+              </a:spcBef>
+              <a:spcAft>
+                <a:spcPts val="0"/>
+              </a:spcAft>
+              <a:buClr>
+                <a:schemeClr val="dk1"/>
+              </a:buClr>
+              <a:buSzPts val="1100"/>
+              <a:buFont typeface="Arial"/>
+              <a:buNone/>
+            </a:pPr>
+            <a:endParaRPr sz="1400" dirty="0">
               <a:solidFill>
                 <a:schemeClr val="dk1"/>
               </a:solidFill>
@@ -12195,7 +12603,7 @@
               <a:buNone/>
             </a:pPr>
             <a:r>
-              <a:rPr lang="en" sz="1400">
+              <a:rPr lang="en" sz="1400" dirty="0">
                 <a:solidFill>
                   <a:schemeClr val="dk1"/>
                 </a:solidFill>
@@ -12204,35 +12612,10 @@
                 <a:cs typeface="Verdana"/>
                 <a:sym typeface="Verdana"/>
               </a:rPr>
-              <a:t>dolayısı ile o kullanıcının yetkilerini kullanarak, sistem kaynaklarına ya da dosyalara erişebilmesini</a:t>
-            </a:r>
-            <a:endParaRPr sz="1400">
-              <a:solidFill>
-                <a:schemeClr val="dk1"/>
-              </a:solidFill>
-              <a:latin typeface="Verdana"/>
-              <a:ea typeface="Verdana"/>
-              <a:cs typeface="Verdana"/>
-              <a:sym typeface="Verdana"/>
-            </a:endParaRPr>
-          </a:p>
-          <a:p>
-            <a:pPr marL="0" lvl="0" indent="0" algn="l" rtl="0">
-              <a:spcBef>
-                <a:spcPts val="0"/>
-              </a:spcBef>
-              <a:spcAft>
-                <a:spcPts val="0"/>
-              </a:spcAft>
-              <a:buClr>
-                <a:schemeClr val="dk1"/>
-              </a:buClr>
-              <a:buSzPts val="1100"/>
-              <a:buFont typeface="Arial"/>
-              <a:buNone/>
-            </a:pPr>
-            <a:r>
-              <a:rPr lang="en" sz="1400">
+              <a:t>İpucu : Impersonation; dosya yaratma, dosyadan okuma yapma gibi durumlarda kaçınılmaz bir </a:t>
+            </a:r>
+            <a:r>
+              <a:rPr lang="en" sz="1400" dirty="0" smtClean="0">
                 <a:solidFill>
                   <a:schemeClr val="dk1"/>
                 </a:solidFill>
@@ -12241,35 +12624,10 @@
                 <a:cs typeface="Verdana"/>
                 <a:sym typeface="Verdana"/>
               </a:rPr>
-              <a:t>sağlar. (Bu durum windows’taki runas komutunun çalışmasına benzetilebilir) Impersonation</a:t>
-            </a:r>
-            <a:endParaRPr sz="1400">
-              <a:solidFill>
-                <a:schemeClr val="dk1"/>
-              </a:solidFill>
-              <a:latin typeface="Verdana"/>
-              <a:ea typeface="Verdana"/>
-              <a:cs typeface="Verdana"/>
-              <a:sym typeface="Verdana"/>
-            </a:endParaRPr>
-          </a:p>
-          <a:p>
-            <a:pPr marL="0" lvl="0" indent="0" algn="l" rtl="0">
-              <a:spcBef>
-                <a:spcPts val="0"/>
-              </a:spcBef>
-              <a:spcAft>
-                <a:spcPts val="0"/>
-              </a:spcAft>
-              <a:buClr>
-                <a:schemeClr val="dk1"/>
-              </a:buClr>
-              <a:buSzPts val="1100"/>
-              <a:buFont typeface="Arial"/>
-              <a:buNone/>
-            </a:pPr>
-            <a:r>
-              <a:rPr lang="en" sz="1400">
+              <a:t>işlem</a:t>
+            </a:r>
+            <a:r>
+              <a:rPr lang="en" sz="1400" dirty="0">
                 <a:solidFill>
                   <a:schemeClr val="dk1"/>
                 </a:solidFill>
@@ -12278,35 +12636,10 @@
                 <a:cs typeface="Verdana"/>
                 <a:sym typeface="Verdana"/>
               </a:rPr>
-              <a:t>seçeneğini açık hale getirmek için, web.config dosyasında :</a:t>
-            </a:r>
-            <a:endParaRPr sz="1400">
-              <a:solidFill>
-                <a:schemeClr val="dk1"/>
-              </a:solidFill>
-              <a:latin typeface="Verdana"/>
-              <a:ea typeface="Verdana"/>
-              <a:cs typeface="Verdana"/>
-              <a:sym typeface="Verdana"/>
-            </a:endParaRPr>
-          </a:p>
-          <a:p>
-            <a:pPr marL="0" lvl="0" indent="0" algn="l" rtl="0">
-              <a:spcBef>
-                <a:spcPts val="0"/>
-              </a:spcBef>
-              <a:spcAft>
-                <a:spcPts val="0"/>
-              </a:spcAft>
-              <a:buClr>
-                <a:schemeClr val="dk1"/>
-              </a:buClr>
-              <a:buSzPts val="1100"/>
-              <a:buFont typeface="Arial"/>
-              <a:buNone/>
-            </a:pPr>
-            <a:r>
-              <a:rPr lang="en" sz="1400">
+              <a:t> </a:t>
+            </a:r>
+            <a:r>
+              <a:rPr lang="en" sz="1400" dirty="0" smtClean="0">
                 <a:solidFill>
                   <a:schemeClr val="dk1"/>
                 </a:solidFill>
@@ -12315,35 +12648,10 @@
                 <a:cs typeface="Verdana"/>
                 <a:sym typeface="Verdana"/>
               </a:rPr>
-              <a:t>Klasik ASP ‘de impersonation default olarak uygulanır, ancak asp.net ’te yukarıda anlatıldığı şekilde</a:t>
-            </a:r>
-            <a:endParaRPr sz="1400">
-              <a:solidFill>
-                <a:schemeClr val="dk1"/>
-              </a:solidFill>
-              <a:latin typeface="Verdana"/>
-              <a:ea typeface="Verdana"/>
-              <a:cs typeface="Verdana"/>
-              <a:sym typeface="Verdana"/>
-            </a:endParaRPr>
-          </a:p>
-          <a:p>
-            <a:pPr marL="0" lvl="0" indent="0" algn="l" rtl="0">
-              <a:spcBef>
-                <a:spcPts val="0"/>
-              </a:spcBef>
-              <a:spcAft>
-                <a:spcPts val="0"/>
-              </a:spcAft>
-              <a:buClr>
-                <a:schemeClr val="dk1"/>
-              </a:buClr>
-              <a:buSzPts val="1100"/>
-              <a:buFont typeface="Arial"/>
-              <a:buNone/>
-            </a:pPr>
-            <a:r>
-              <a:rPr lang="en" sz="1400">
+              <a:t>olabilir</a:t>
+            </a:r>
+            <a:r>
+              <a:rPr lang="en" sz="1400" dirty="0">
                 <a:solidFill>
                   <a:schemeClr val="dk1"/>
                 </a:solidFill>
@@ -12352,83 +12660,9 @@
                 <a:cs typeface="Verdana"/>
                 <a:sym typeface="Verdana"/>
               </a:rPr>
-              <a:t>açılana kadar kapalıdır.</a:t>
-            </a:r>
-            <a:endParaRPr sz="1400">
-              <a:solidFill>
-                <a:schemeClr val="dk1"/>
-              </a:solidFill>
-              <a:latin typeface="Verdana"/>
-              <a:ea typeface="Verdana"/>
-              <a:cs typeface="Verdana"/>
-              <a:sym typeface="Verdana"/>
-            </a:endParaRPr>
-          </a:p>
-          <a:p>
-            <a:pPr marL="0" lvl="0" indent="0" algn="l" rtl="0">
-              <a:spcBef>
-                <a:spcPts val="0"/>
-              </a:spcBef>
-              <a:spcAft>
-                <a:spcPts val="0"/>
-              </a:spcAft>
-              <a:buClr>
-                <a:schemeClr val="dk1"/>
-              </a:buClr>
-              <a:buSzPts val="1100"/>
-              <a:buFont typeface="Arial"/>
-              <a:buNone/>
-            </a:pPr>
-            <a:r>
-              <a:rPr lang="en" sz="1400">
-                <a:solidFill>
-                  <a:schemeClr val="dk1"/>
-                </a:solidFill>
-                <a:latin typeface="Verdana"/>
-                <a:ea typeface="Verdana"/>
-                <a:cs typeface="Verdana"/>
-                <a:sym typeface="Verdana"/>
-              </a:rPr>
-              <a:t>İpucu : Impersonation; dosya yaratma, dosyadan okuma yapma gibi durumlarda kaçınılmaz bir işlem</a:t>
-            </a:r>
-            <a:endParaRPr sz="1400">
-              <a:solidFill>
-                <a:schemeClr val="dk1"/>
-              </a:solidFill>
-              <a:latin typeface="Verdana"/>
-              <a:ea typeface="Verdana"/>
-              <a:cs typeface="Verdana"/>
-              <a:sym typeface="Verdana"/>
-            </a:endParaRPr>
-          </a:p>
-          <a:p>
-            <a:pPr marL="0" lvl="0" indent="0" algn="l" rtl="0">
-              <a:spcBef>
-                <a:spcPts val="0"/>
-              </a:spcBef>
-              <a:spcAft>
-                <a:spcPts val="0"/>
-              </a:spcAft>
-              <a:buClr>
-                <a:schemeClr val="dk1"/>
-              </a:buClr>
-              <a:buSzPts val="1100"/>
-              <a:buFont typeface="Arial"/>
-              <a:buNone/>
-            </a:pPr>
-            <a:r>
-              <a:rPr lang="en" sz="1400">
-                <a:solidFill>
-                  <a:schemeClr val="dk1"/>
-                </a:solidFill>
-                <a:latin typeface="Verdana"/>
-                <a:ea typeface="Verdana"/>
-                <a:cs typeface="Verdana"/>
-                <a:sym typeface="Verdana"/>
-              </a:rPr>
-              <a:t>olabilir.</a:t>
-            </a:r>
-            <a:endParaRPr sz="1100">
+              <a:t>.</a:t>
+            </a:r>
+            <a:endParaRPr sz="1100" dirty="0">
               <a:solidFill>
                 <a:schemeClr val="dk1"/>
               </a:solidFill>
@@ -12456,7 +12690,7 @@
               <a:buFont typeface="Arial"/>
               <a:buNone/>
             </a:pPr>
-            <a:endParaRPr sz="1100">
+            <a:endParaRPr sz="1100" dirty="0">
               <a:solidFill>
                 <a:schemeClr val="dk1"/>
               </a:solidFill>
@@ -12476,6 +12710,13 @@
   <p:clrMapOvr>
     <a:masterClrMapping/>
   </p:clrMapOvr>
+  <p:timing>
+    <p:tnLst>
+      <p:par>
+        <p:cTn id="1" dur="indefinite" restart="never" nodeType="tmRoot"/>
+      </p:par>
+    </p:tnLst>
+  </p:timing>
 </p:sld>
 </file>
 
